--- a/RoujinHomePPT/RoujinHomePPTv2.pptx
+++ b/RoujinHomePPT/RoujinHomePPTv2.pptx
@@ -211,7 +211,7 @@
           <a:p>
             <a:fld id="{7D8ADD0A-1444-4295-ABDA-7131C7126DEE}" type="datetimeFigureOut">
               <a:rPr lang="ko-KR" altLang="en-US" smtClean="0"/>
-              <a:t>2020-06-04</a:t>
+              <a:t>2020-06-07</a:t>
             </a:fld>
             <a:endParaRPr lang="ko-KR" altLang="en-US"/>
           </a:p>
@@ -673,7 +673,7 @@
           <a:p>
             <a:fld id="{6AA6C8F3-7746-478D-8625-96502A2C5657}" type="datetimeFigureOut">
               <a:rPr lang="ko-KR" altLang="en-US" smtClean="0"/>
-              <a:t>2020-06-04</a:t>
+              <a:t>2020-06-07</a:t>
             </a:fld>
             <a:endParaRPr lang="ko-KR" altLang="en-US"/>
           </a:p>
@@ -838,7 +838,7 @@
           <a:p>
             <a:fld id="{6AA6C8F3-7746-478D-8625-96502A2C5657}" type="datetimeFigureOut">
               <a:rPr lang="ko-KR" altLang="en-US" smtClean="0"/>
-              <a:t>2020-06-04</a:t>
+              <a:t>2020-06-07</a:t>
             </a:fld>
             <a:endParaRPr lang="ko-KR" altLang="en-US"/>
           </a:p>
@@ -1013,7 +1013,7 @@
           <a:p>
             <a:fld id="{6AA6C8F3-7746-478D-8625-96502A2C5657}" type="datetimeFigureOut">
               <a:rPr lang="ko-KR" altLang="en-US" smtClean="0"/>
-              <a:t>2020-06-04</a:t>
+              <a:t>2020-06-07</a:t>
             </a:fld>
             <a:endParaRPr lang="ko-KR" altLang="en-US"/>
           </a:p>
@@ -1178,7 +1178,7 @@
           <a:p>
             <a:fld id="{6AA6C8F3-7746-478D-8625-96502A2C5657}" type="datetimeFigureOut">
               <a:rPr lang="ko-KR" altLang="en-US" smtClean="0"/>
-              <a:t>2020-06-04</a:t>
+              <a:t>2020-06-07</a:t>
             </a:fld>
             <a:endParaRPr lang="ko-KR" altLang="en-US"/>
           </a:p>
@@ -1419,7 +1419,7 @@
           <a:p>
             <a:fld id="{6AA6C8F3-7746-478D-8625-96502A2C5657}" type="datetimeFigureOut">
               <a:rPr lang="ko-KR" altLang="en-US" smtClean="0"/>
-              <a:t>2020-06-04</a:t>
+              <a:t>2020-06-07</a:t>
             </a:fld>
             <a:endParaRPr lang="ko-KR" altLang="en-US"/>
           </a:p>
@@ -1702,7 +1702,7 @@
           <a:p>
             <a:fld id="{6AA6C8F3-7746-478D-8625-96502A2C5657}" type="datetimeFigureOut">
               <a:rPr lang="ko-KR" altLang="en-US" smtClean="0"/>
-              <a:t>2020-06-04</a:t>
+              <a:t>2020-06-07</a:t>
             </a:fld>
             <a:endParaRPr lang="ko-KR" altLang="en-US"/>
           </a:p>
@@ -2131,7 +2131,7 @@
           <a:p>
             <a:fld id="{6AA6C8F3-7746-478D-8625-96502A2C5657}" type="datetimeFigureOut">
               <a:rPr lang="ko-KR" altLang="en-US" smtClean="0"/>
-              <a:t>2020-06-04</a:t>
+              <a:t>2020-06-07</a:t>
             </a:fld>
             <a:endParaRPr lang="ko-KR" altLang="en-US"/>
           </a:p>
@@ -2244,7 +2244,7 @@
           <a:p>
             <a:fld id="{6AA6C8F3-7746-478D-8625-96502A2C5657}" type="datetimeFigureOut">
               <a:rPr lang="ko-KR" altLang="en-US" smtClean="0"/>
-              <a:t>2020-06-04</a:t>
+              <a:t>2020-06-07</a:t>
             </a:fld>
             <a:endParaRPr lang="ko-KR" altLang="en-US"/>
           </a:p>
@@ -2334,7 +2334,7 @@
           <a:p>
             <a:fld id="{6AA6C8F3-7746-478D-8625-96502A2C5657}" type="datetimeFigureOut">
               <a:rPr lang="ko-KR" altLang="en-US" smtClean="0"/>
-              <a:t>2020-06-04</a:t>
+              <a:t>2020-06-07</a:t>
             </a:fld>
             <a:endParaRPr lang="ko-KR" altLang="en-US"/>
           </a:p>
@@ -2523,7 +2523,7 @@
           <a:p>
             <a:fld id="{6AA6C8F3-7746-478D-8625-96502A2C5657}" type="datetimeFigureOut">
               <a:rPr lang="ko-KR" altLang="en-US" smtClean="0"/>
-              <a:t>2020-06-04</a:t>
+              <a:t>2020-06-07</a:t>
             </a:fld>
             <a:endParaRPr lang="ko-KR" altLang="en-US"/>
           </a:p>
@@ -2841,7 +2841,7 @@
           <a:p>
             <a:fld id="{6AA6C8F3-7746-478D-8625-96502A2C5657}" type="datetimeFigureOut">
               <a:rPr lang="ko-KR" altLang="en-US" smtClean="0"/>
-              <a:t>2020-06-04</a:t>
+              <a:t>2020-06-07</a:t>
             </a:fld>
             <a:endParaRPr lang="ko-KR" altLang="en-US"/>
           </a:p>
@@ -3220,7 +3220,7 @@
           <a:p>
             <a:fld id="{6AA6C8F3-7746-478D-8625-96502A2C5657}" type="datetimeFigureOut">
               <a:rPr lang="ko-KR" altLang="en-US" smtClean="0"/>
-              <a:t>2020-06-04</a:t>
+              <a:t>2020-06-07</a:t>
             </a:fld>
             <a:endParaRPr lang="ko-KR" altLang="en-US"/>
           </a:p>
@@ -3833,22 +3833,14 @@
           <a:p>
             <a:r>
               <a:rPr lang="ko-KR" altLang="en-US" dirty="0" smtClean="0"/>
-              <a:t>해당 </a:t>
-            </a:r>
-            <a:r>
-              <a:rPr lang="ko-KR" altLang="en-US" dirty="0" smtClean="0"/>
-              <a:t>시설 관계자</a:t>
+              <a:t>해당 시설 관계자</a:t>
             </a:r>
             <a:endParaRPr lang="en-US" altLang="ko-KR" dirty="0" smtClean="0"/>
           </a:p>
           <a:p>
             <a:r>
               <a:rPr lang="ko-KR" altLang="en-US" dirty="0" smtClean="0"/>
-              <a:t>계정에서 </a:t>
-            </a:r>
-            <a:r>
-              <a:rPr lang="ko-KR" altLang="en-US" dirty="0" smtClean="0"/>
-              <a:t>등록된</a:t>
+              <a:t>계정에서 등록된</a:t>
             </a:r>
             <a:endParaRPr lang="en-US" altLang="ko-KR" dirty="0" smtClean="0"/>
           </a:p>
@@ -7517,7 +7509,7 @@
         </p:nvSpPr>
         <p:spPr>
           <a:xfrm>
-            <a:off x="1454366" y="6093296"/>
+            <a:off x="668425" y="6095281"/>
             <a:ext cx="3254417" cy="369332"/>
           </a:xfrm>
           <a:prstGeom prst="rect">
@@ -7567,7 +7559,7 @@
         <p:spPr>
           <a:xfrm>
             <a:off x="1491875" y="5677467"/>
-            <a:ext cx="1589700" cy="415829"/>
+            <a:ext cx="803759" cy="417814"/>
           </a:xfrm>
           <a:prstGeom prst="line">
             <a:avLst/>
@@ -7652,7 +7644,7 @@
         </p:nvSpPr>
         <p:spPr>
           <a:xfrm>
-            <a:off x="5148064" y="4341086"/>
+            <a:off x="4139952" y="6095281"/>
             <a:ext cx="3166251" cy="646331"/>
           </a:xfrm>
           <a:prstGeom prst="rect">
@@ -7685,15 +7677,140 @@
         <p:nvCxnSpPr>
           <p:cNvPr id="17" name="직선 연결선 16"/>
           <p:cNvCxnSpPr>
-            <a:stCxn id="14" idx="3"/>
+            <a:stCxn id="14" idx="2"/>
             <a:endCxn id="15" idx="1"/>
           </p:cNvCxnSpPr>
           <p:nvPr/>
         </p:nvCxnSpPr>
         <p:spPr>
+          <a:xfrm>
+            <a:off x="3817082" y="5662257"/>
+            <a:ext cx="322870" cy="756190"/>
+          </a:xfrm>
+          <a:prstGeom prst="line">
+            <a:avLst/>
+          </a:prstGeom>
+          <a:ln>
+            <a:solidFill>
+              <a:srgbClr val="FF0000"/>
+            </a:solidFill>
+          </a:ln>
+        </p:spPr>
+        <p:style>
+          <a:lnRef idx="1">
+            <a:schemeClr val="accent1"/>
+          </a:lnRef>
+          <a:fillRef idx="0">
+            <a:schemeClr val="accent1"/>
+          </a:fillRef>
+          <a:effectRef idx="0">
+            <a:schemeClr val="accent1"/>
+          </a:effectRef>
+          <a:fontRef idx="minor">
+            <a:schemeClr val="tx1"/>
+          </a:fontRef>
+        </p:style>
+      </p:cxnSp>
+      <p:pic>
+        <p:nvPicPr>
+          <p:cNvPr id="16" name="그림 15"/>
+          <p:cNvPicPr>
+            <a:picLocks noChangeAspect="1"/>
+          </p:cNvPicPr>
+          <p:nvPr/>
+        </p:nvPicPr>
+        <p:blipFill>
+          <a:blip r:embed="rId3">
+            <a:extLst>
+              <a:ext uri="{28A0092B-C50C-407E-A947-70E740481C1C}">
+                <a14:useLocalDpi xmlns:a14="http://schemas.microsoft.com/office/drawing/2010/main" val="0"/>
+              </a:ext>
+            </a:extLst>
+          </a:blip>
+          <a:stretch>
+            <a:fillRect/>
+          </a:stretch>
+        </p:blipFill>
+        <p:spPr>
+          <a:xfrm>
+            <a:off x="5024840" y="3069097"/>
+            <a:ext cx="1562318" cy="2619741"/>
+          </a:xfrm>
+          <a:prstGeom prst="rect">
+            <a:avLst/>
+          </a:prstGeom>
+        </p:spPr>
+      </p:pic>
+      <p:sp>
+        <p:nvSpPr>
+          <p:cNvPr id="18" name="TextBox 17"/>
+          <p:cNvSpPr txBox="1"/>
+          <p:nvPr/>
+        </p:nvSpPr>
+        <p:spPr>
+          <a:xfrm>
+            <a:off x="6669656" y="3572731"/>
+            <a:ext cx="1622560" cy="1200329"/>
+          </a:xfrm>
+          <a:prstGeom prst="rect">
+            <a:avLst/>
+          </a:prstGeom>
+          <a:noFill/>
+        </p:spPr>
+        <p:txBody>
+          <a:bodyPr wrap="none" rtlCol="0">
+            <a:spAutoFit/>
+          </a:bodyPr>
+          <a:lstStyle/>
+          <a:p>
+            <a:r>
+              <a:rPr lang="ko-KR" altLang="en-US" dirty="0" smtClean="0"/>
+              <a:t>시설</a:t>
+            </a:r>
+            <a:r>
+              <a:rPr lang="en-US" altLang="ko-KR" dirty="0" smtClean="0"/>
+              <a:t>Q&amp;A</a:t>
+            </a:r>
+          </a:p>
+          <a:p>
+            <a:r>
+              <a:rPr lang="ko-KR" altLang="en-US" dirty="0" smtClean="0"/>
+              <a:t>관련 테이블로</a:t>
+            </a:r>
+            <a:endParaRPr lang="en-US" altLang="ko-KR" dirty="0" smtClean="0"/>
+          </a:p>
+          <a:p>
+            <a:r>
+              <a:rPr lang="en-US" altLang="ko-KR" dirty="0" smtClean="0"/>
+              <a:t>JPA Hibernate</a:t>
+            </a:r>
+          </a:p>
+          <a:p>
+            <a:r>
+              <a:rPr lang="ko-KR" altLang="en-US" dirty="0" smtClean="0"/>
+              <a:t>연</a:t>
+            </a:r>
+            <a:r>
+              <a:rPr lang="ko-KR" altLang="en-US" dirty="0"/>
+              <a:t>동</a:t>
+            </a:r>
+            <a:endParaRPr lang="en-US" altLang="ko-KR" dirty="0" smtClean="0"/>
+          </a:p>
+        </p:txBody>
+      </p:sp>
+      <p:cxnSp>
+        <p:nvCxnSpPr>
+          <p:cNvPr id="20" name="직선 연결선 19"/>
+          <p:cNvCxnSpPr>
+            <a:stCxn id="16" idx="3"/>
+            <a:endCxn id="18" idx="1"/>
+          </p:cNvCxnSpPr>
+          <p:nvPr/>
+        </p:nvCxnSpPr>
+        <p:spPr>
           <a:xfrm flipV="1">
-            <a:off x="4799202" y="4664252"/>
-            <a:ext cx="348862" cy="75487"/>
+            <a:off x="6587158" y="4172896"/>
+            <a:ext cx="82498" cy="206072"/>
           </a:xfrm>
           <a:prstGeom prst="line">
             <a:avLst/>
@@ -7844,7 +7961,6 @@
               <a:rPr lang="en-US" altLang="ko-KR" dirty="0" smtClean="0"/>
               <a:t>)</a:t>
             </a:r>
-            <a:endParaRPr lang="en-US" altLang="ko-KR" dirty="0" smtClean="0"/>
           </a:p>
           <a:p>
             <a:r>
